--- a/content/docs/record/trino-minio-query-orangepi5-cluster/images/images.pptx
+++ b/content/docs/record/trino-minio-query-orangepi5-cluster/images/images.pptx
@@ -5,14 +5,15 @@
     <p:sldMasterId id="2147483648" r:id="rId1"/>
   </p:sldMasterIdLst>
   <p:notesMasterIdLst>
-    <p:notesMasterId r:id="rId7"/>
+    <p:notesMasterId r:id="rId8"/>
   </p:notesMasterIdLst>
   <p:sldIdLst>
-    <p:sldId id="411" r:id="rId2"/>
+    <p:sldId id="414" r:id="rId2"/>
     <p:sldId id="396" r:id="rId3"/>
-    <p:sldId id="410" r:id="rId4"/>
-    <p:sldId id="408" r:id="rId5"/>
-    <p:sldId id="404" r:id="rId6"/>
+    <p:sldId id="411" r:id="rId4"/>
+    <p:sldId id="410" r:id="rId5"/>
+    <p:sldId id="408" r:id="rId6"/>
+    <p:sldId id="404" r:id="rId7"/>
   </p:sldIdLst>
   <p:sldSz cx="9144000" cy="5143500" type="screen16x9"/>
   <p:notesSz cx="6858000" cy="9144000"/>
@@ -217,7 +218,7 @@
           <a:p>
             <a:fld id="{6CD5550B-26C4-49A9-A5BA-636EF7BE6CE9}" type="datetimeFigureOut">
               <a:rPr lang="ko-KR" altLang="en-US" smtClean="0"/>
-              <a:t>2025. 6. 7.</a:t>
+              <a:t>2025. 7. 20.</a:t>
             </a:fld>
             <a:endParaRPr lang="ko-KR" altLang="en-US"/>
           </a:p>
@@ -558,7 +559,7 @@
     </p:spTree>
     <p:extLst>
       <p:ext uri="{BB962C8B-B14F-4D97-AF65-F5344CB8AC3E}">
-        <p14:creationId xmlns:p14="http://schemas.microsoft.com/office/powerpoint/2010/main" val="2070660883"/>
+        <p14:creationId xmlns:p14="http://schemas.microsoft.com/office/powerpoint/2010/main" val="1498071453"/>
       </p:ext>
     </p:extLst>
   </p:cSld>
@@ -642,7 +643,7 @@
     </p:spTree>
     <p:extLst>
       <p:ext uri="{BB962C8B-B14F-4D97-AF65-F5344CB8AC3E}">
-        <p14:creationId xmlns:p14="http://schemas.microsoft.com/office/powerpoint/2010/main" val="1648801605"/>
+        <p14:creationId xmlns:p14="http://schemas.microsoft.com/office/powerpoint/2010/main" val="2070660883"/>
       </p:ext>
     </p:extLst>
   </p:cSld>
@@ -726,7 +727,7 @@
     </p:spTree>
     <p:extLst>
       <p:ext uri="{BB962C8B-B14F-4D97-AF65-F5344CB8AC3E}">
-        <p14:creationId xmlns:p14="http://schemas.microsoft.com/office/powerpoint/2010/main" val="1208028463"/>
+        <p14:creationId xmlns:p14="http://schemas.microsoft.com/office/powerpoint/2010/main" val="1648801605"/>
       </p:ext>
     </p:extLst>
   </p:cSld>
@@ -802,6 +803,90 @@
             <a:fld id="{BA5DFA43-8D57-47FB-BC46-057616015C3B}" type="slidenum">
               <a:rPr lang="ko-KR" altLang="en-US" smtClean="0"/>
               <a:t>5</a:t>
+            </a:fld>
+            <a:endParaRPr lang="ko-KR" altLang="en-US"/>
+          </a:p>
+        </p:txBody>
+      </p:sp>
+    </p:spTree>
+    <p:extLst>
+      <p:ext uri="{BB962C8B-B14F-4D97-AF65-F5344CB8AC3E}">
+        <p14:creationId xmlns:p14="http://schemas.microsoft.com/office/powerpoint/2010/main" val="1208028463"/>
+      </p:ext>
+    </p:extLst>
+  </p:cSld>
+  <p:clrMapOvr>
+    <a:masterClrMapping/>
+  </p:clrMapOvr>
+</p:notes>
+</file>
+
+<file path=ppt/notesSlides/notesSlide5.xml><?xml version="1.0" encoding="utf-8"?>
+<p:notes xmlns:a="http://schemas.openxmlformats.org/drawingml/2006/main" xmlns:r="http://schemas.openxmlformats.org/officeDocument/2006/relationships" xmlns:p="http://schemas.openxmlformats.org/presentationml/2006/main">
+  <p:cSld>
+    <p:spTree>
+      <p:nvGrpSpPr>
+        <p:cNvPr id="1" name=""/>
+        <p:cNvGrpSpPr/>
+        <p:nvPr/>
+      </p:nvGrpSpPr>
+      <p:grpSpPr>
+        <a:xfrm>
+          <a:off x="0" y="0"/>
+          <a:ext cx="0" cy="0"/>
+          <a:chOff x="0" y="0"/>
+          <a:chExt cx="0" cy="0"/>
+        </a:xfrm>
+      </p:grpSpPr>
+      <p:sp>
+        <p:nvSpPr>
+          <p:cNvPr id="2" name="슬라이드 이미지 개체 틀 1"/>
+          <p:cNvSpPr>
+            <a:spLocks noGrp="1" noRot="1" noChangeAspect="1"/>
+          </p:cNvSpPr>
+          <p:nvPr>
+            <p:ph type="sldImg"/>
+          </p:nvPr>
+        </p:nvSpPr>
+        <p:spPr/>
+      </p:sp>
+      <p:sp>
+        <p:nvSpPr>
+          <p:cNvPr id="3" name="슬라이드 노트 개체 틀 2"/>
+          <p:cNvSpPr>
+            <a:spLocks noGrp="1"/>
+          </p:cNvSpPr>
+          <p:nvPr>
+            <p:ph type="body" idx="1"/>
+          </p:nvPr>
+        </p:nvSpPr>
+        <p:spPr/>
+        <p:txBody>
+          <a:bodyPr/>
+          <a:lstStyle/>
+          <a:p>
+            <a:endParaRPr lang="ko-KR" altLang="en-US" dirty="0"/>
+          </a:p>
+        </p:txBody>
+      </p:sp>
+      <p:sp>
+        <p:nvSpPr>
+          <p:cNvPr id="4" name="슬라이드 번호 개체 틀 3"/>
+          <p:cNvSpPr>
+            <a:spLocks noGrp="1"/>
+          </p:cNvSpPr>
+          <p:nvPr>
+            <p:ph type="sldNum" sz="quarter" idx="10"/>
+          </p:nvPr>
+        </p:nvSpPr>
+        <p:spPr/>
+        <p:txBody>
+          <a:bodyPr/>
+          <a:lstStyle/>
+          <a:p>
+            <a:fld id="{BA5DFA43-8D57-47FB-BC46-057616015C3B}" type="slidenum">
+              <a:rPr lang="ko-KR" altLang="en-US" smtClean="0"/>
+              <a:t>6</a:t>
             </a:fld>
             <a:endParaRPr lang="ko-KR" altLang="en-US"/>
           </a:p>
@@ -999,7 +1084,7 @@
           <a:p>
             <a:fld id="{FB30EDBD-1C2D-4C1E-B459-B60219FAB484}" type="datetimeFigureOut">
               <a:rPr lang="ko-KR" altLang="en-US" smtClean="0"/>
-              <a:t>2025. 6. 7.</a:t>
+              <a:t>2025. 7. 20.</a:t>
             </a:fld>
             <a:endParaRPr lang="ko-KR" altLang="en-US"/>
           </a:p>
@@ -1162,7 +1247,7 @@
           <a:p>
             <a:fld id="{FB30EDBD-1C2D-4C1E-B459-B60219FAB484}" type="datetimeFigureOut">
               <a:rPr lang="ko-KR" altLang="en-US" smtClean="0"/>
-              <a:t>2025. 6. 7.</a:t>
+              <a:t>2025. 7. 20.</a:t>
             </a:fld>
             <a:endParaRPr lang="ko-KR" altLang="en-US"/>
           </a:p>
@@ -1335,7 +1420,7 @@
           <a:p>
             <a:fld id="{FB30EDBD-1C2D-4C1E-B459-B60219FAB484}" type="datetimeFigureOut">
               <a:rPr lang="ko-KR" altLang="en-US" smtClean="0"/>
-              <a:t>2025. 6. 7.</a:t>
+              <a:t>2025. 7. 20.</a:t>
             </a:fld>
             <a:endParaRPr lang="ko-KR" altLang="en-US"/>
           </a:p>
@@ -1498,7 +1583,7 @@
           <a:p>
             <a:fld id="{FB30EDBD-1C2D-4C1E-B459-B60219FAB484}" type="datetimeFigureOut">
               <a:rPr lang="ko-KR" altLang="en-US" smtClean="0"/>
-              <a:t>2025. 6. 7.</a:t>
+              <a:t>2025. 7. 20.</a:t>
             </a:fld>
             <a:endParaRPr lang="ko-KR" altLang="en-US"/>
           </a:p>
@@ -1738,7 +1823,7 @@
           <a:p>
             <a:fld id="{FB30EDBD-1C2D-4C1E-B459-B60219FAB484}" type="datetimeFigureOut">
               <a:rPr lang="ko-KR" altLang="en-US" smtClean="0"/>
-              <a:t>2025. 6. 7.</a:t>
+              <a:t>2025. 7. 20.</a:t>
             </a:fld>
             <a:endParaRPr lang="ko-KR" altLang="en-US"/>
           </a:p>
@@ -2018,7 +2103,7 @@
           <a:p>
             <a:fld id="{FB30EDBD-1C2D-4C1E-B459-B60219FAB484}" type="datetimeFigureOut">
               <a:rPr lang="ko-KR" altLang="en-US" smtClean="0"/>
-              <a:t>2025. 6. 7.</a:t>
+              <a:t>2025. 7. 20.</a:t>
             </a:fld>
             <a:endParaRPr lang="ko-KR" altLang="en-US"/>
           </a:p>
@@ -2432,7 +2517,7 @@
           <a:p>
             <a:fld id="{FB30EDBD-1C2D-4C1E-B459-B60219FAB484}" type="datetimeFigureOut">
               <a:rPr lang="ko-KR" altLang="en-US" smtClean="0"/>
-              <a:t>2025. 6. 7.</a:t>
+              <a:t>2025. 7. 20.</a:t>
             </a:fld>
             <a:endParaRPr lang="ko-KR" altLang="en-US"/>
           </a:p>
@@ -2544,7 +2629,7 @@
           <a:p>
             <a:fld id="{FB30EDBD-1C2D-4C1E-B459-B60219FAB484}" type="datetimeFigureOut">
               <a:rPr lang="ko-KR" altLang="en-US" smtClean="0"/>
-              <a:t>2025. 6. 7.</a:t>
+              <a:t>2025. 7. 20.</a:t>
             </a:fld>
             <a:endParaRPr lang="ko-KR" altLang="en-US"/>
           </a:p>
@@ -2634,7 +2719,7 @@
           <a:p>
             <a:fld id="{FB30EDBD-1C2D-4C1E-B459-B60219FAB484}" type="datetimeFigureOut">
               <a:rPr lang="ko-KR" altLang="en-US" smtClean="0"/>
-              <a:t>2025. 6. 7.</a:t>
+              <a:t>2025. 7. 20.</a:t>
             </a:fld>
             <a:endParaRPr lang="ko-KR" altLang="en-US"/>
           </a:p>
@@ -2904,7 +2989,7 @@
           <a:p>
             <a:fld id="{FB30EDBD-1C2D-4C1E-B459-B60219FAB484}" type="datetimeFigureOut">
               <a:rPr lang="ko-KR" altLang="en-US" smtClean="0"/>
-              <a:t>2025. 6. 7.</a:t>
+              <a:t>2025. 7. 20.</a:t>
             </a:fld>
             <a:endParaRPr lang="ko-KR" altLang="en-US"/>
           </a:p>
@@ -3151,7 +3236,7 @@
           <a:p>
             <a:fld id="{FB30EDBD-1C2D-4C1E-B459-B60219FAB484}" type="datetimeFigureOut">
               <a:rPr lang="ko-KR" altLang="en-US" smtClean="0"/>
-              <a:t>2025. 6. 7.</a:t>
+              <a:t>2025. 7. 20.</a:t>
             </a:fld>
             <a:endParaRPr lang="ko-KR" altLang="en-US"/>
           </a:p>
@@ -3357,7 +3442,7 @@
           <a:p>
             <a:fld id="{FB30EDBD-1C2D-4C1E-B459-B60219FAB484}" type="datetimeFigureOut">
               <a:rPr lang="ko-KR" altLang="en-US" smtClean="0"/>
-              <a:t>2025. 6. 7.</a:t>
+              <a:t>2025. 7. 20.</a:t>
             </a:fld>
             <a:endParaRPr lang="ko-KR" altLang="en-US"/>
           </a:p>
@@ -3788,7 +3873,7 @@
         </p:nvSpPr>
         <p:spPr>
           <a:xfrm>
-            <a:off x="7835836" y="4295781"/>
+            <a:off x="1475657" y="343396"/>
             <a:ext cx="936104" cy="594629"/>
           </a:xfrm>
           <a:prstGeom prst="roundRect">
@@ -3854,7 +3939,7 @@
         </p:blipFill>
         <p:spPr bwMode="auto">
           <a:xfrm>
-            <a:off x="8164462" y="4360469"/>
+            <a:off x="1804283" y="408084"/>
             <a:ext cx="278851" cy="278851"/>
           </a:xfrm>
           <a:prstGeom prst="rect">
@@ -4089,7 +4174,7 @@
         </p:blipFill>
         <p:spPr bwMode="auto">
           <a:xfrm>
-            <a:off x="1020281" y="1984224"/>
+            <a:off x="1020281" y="2697105"/>
             <a:ext cx="383367" cy="295986"/>
           </a:xfrm>
           <a:prstGeom prst="rect">
@@ -4121,7 +4206,7 @@
         </p:nvSpPr>
         <p:spPr>
           <a:xfrm>
-            <a:off x="395536" y="339502"/>
+            <a:off x="395536" y="1052383"/>
             <a:ext cx="2016224" cy="2016224"/>
           </a:xfrm>
           <a:prstGeom prst="roundRect">
@@ -4172,7 +4257,7 @@
         </p:nvSpPr>
         <p:spPr>
           <a:xfrm>
-            <a:off x="524350" y="445911"/>
+            <a:off x="524350" y="1158792"/>
             <a:ext cx="1758596" cy="418488"/>
           </a:xfrm>
           <a:prstGeom prst="roundRect">
@@ -4223,7 +4308,7 @@
         </p:nvSpPr>
         <p:spPr>
           <a:xfrm>
-            <a:off x="524350" y="970808"/>
+            <a:off x="524350" y="1683689"/>
             <a:ext cx="1758596" cy="418488"/>
           </a:xfrm>
           <a:prstGeom prst="roundRect">
@@ -4274,7 +4359,7 @@
         </p:nvSpPr>
         <p:spPr>
           <a:xfrm>
-            <a:off x="532987" y="1495705"/>
+            <a:off x="532987" y="2208586"/>
             <a:ext cx="1758596" cy="418488"/>
           </a:xfrm>
           <a:prstGeom prst="roundRect">
@@ -4536,7 +4621,7 @@
           <a:p>
             <a:r>
               <a:rPr lang="en-US" altLang="ko-KR" sz="900"/>
-              <a:t>/weather/southkorea/hourly-iceberg-parquet/data/year=2025/month=1/day=1/hour=0/[random].parquet</a:t>
+              <a:t>/weather/southkorea/hourly-iceberg-parquet/data/year=2025/month=1/day=1/hour=1/[random].parquet</a:t>
             </a:r>
           </a:p>
           <a:p>
@@ -4574,7 +4659,7 @@
             <a:solidFill>
               <a:schemeClr val="tx1"/>
             </a:solidFill>
-            <a:prstDash val="dash"/>
+            <a:prstDash val="solid"/>
             <a:tailEnd type="triangle"/>
           </a:ln>
         </p:spPr>
@@ -4621,7 +4706,7 @@
             <a:solidFill>
               <a:schemeClr val="tx1"/>
             </a:solidFill>
-            <a:prstDash val="dash"/>
+            <a:prstDash val="solid"/>
             <a:tailEnd type="triangle"/>
           </a:ln>
         </p:spPr>
@@ -4652,19 +4737,18 @@
           <p:cNvCxnSpPr>
             <a:cxnSpLocks/>
             <a:stCxn id="14" idx="3"/>
-            <a:endCxn id="23" idx="0"/>
+            <a:endCxn id="50" idx="2"/>
           </p:cNvCxnSpPr>
           <p:nvPr/>
         </p:nvCxnSpPr>
         <p:spPr>
-          <a:xfrm flipH="1" flipV="1">
-            <a:off x="5702322" y="1523152"/>
-            <a:ext cx="3069618" cy="3069944"/>
-          </a:xfrm>
-          <a:prstGeom prst="bentConnector4">
+          <a:xfrm>
+            <a:off x="2411761" y="640711"/>
+            <a:ext cx="3296806" cy="743755"/>
+          </a:xfrm>
+          <a:prstGeom prst="bentConnector3">
             <a:avLst>
-              <a:gd name="adj1" fmla="val -7447"/>
-              <a:gd name="adj2" fmla="val 104232"/>
+              <a:gd name="adj1" fmla="val 3073"/>
             </a:avLst>
           </a:prstGeom>
           <a:ln w="12700">
@@ -4702,19 +4786,18 @@
           <p:cNvCxnSpPr>
             <a:cxnSpLocks/>
             <a:stCxn id="14" idx="3"/>
-            <a:endCxn id="24" idx="0"/>
+            <a:endCxn id="38" idx="2"/>
           </p:cNvCxnSpPr>
           <p:nvPr/>
         </p:nvCxnSpPr>
         <p:spPr>
-          <a:xfrm flipH="1" flipV="1">
-            <a:off x="5702322" y="2603273"/>
-            <a:ext cx="3069618" cy="1989823"/>
-          </a:xfrm>
-          <a:prstGeom prst="bentConnector4">
+          <a:xfrm>
+            <a:off x="2411761" y="640711"/>
+            <a:ext cx="3290561" cy="1823876"/>
+          </a:xfrm>
+          <a:prstGeom prst="bentConnector3">
             <a:avLst>
-              <a:gd name="adj1" fmla="val -7447"/>
-              <a:gd name="adj2" fmla="val 107190"/>
+              <a:gd name="adj1" fmla="val 3124"/>
             </a:avLst>
           </a:prstGeom>
           <a:ln w="12700">
@@ -4758,8 +4841,8 @@
         </p:nvCxnSpPr>
         <p:spPr>
           <a:xfrm rot="16200000" flipV="1">
-            <a:off x="1104816" y="2654558"/>
-            <a:ext cx="1137724" cy="540060"/>
+            <a:off x="1461257" y="3010999"/>
+            <a:ext cx="424843" cy="540060"/>
           </a:xfrm>
           <a:prstGeom prst="bentConnector3">
             <a:avLst>
@@ -4934,10 +5017,110 @@
           </a:fontRef>
         </p:style>
       </p:cxnSp>
+      <p:sp>
+        <p:nvSpPr>
+          <p:cNvPr id="38" name="Oval 37">
+            <a:extLst>
+              <a:ext uri="{FF2B5EF4-FFF2-40B4-BE49-F238E27FC236}">
+                <a16:creationId xmlns:a16="http://schemas.microsoft.com/office/drawing/2014/main" id="{1C3B0F75-992B-1A40-B25E-C4E84CF3135C}"/>
+              </a:ext>
+            </a:extLst>
+          </p:cNvPr>
+          <p:cNvSpPr/>
+          <p:nvPr/>
+        </p:nvSpPr>
+        <p:spPr>
+          <a:xfrm>
+            <a:off x="5702322" y="2428583"/>
+            <a:ext cx="72008" cy="72008"/>
+          </a:xfrm>
+          <a:prstGeom prst="ellipse">
+            <a:avLst/>
+          </a:prstGeom>
+          <a:noFill/>
+          <a:ln>
+            <a:noFill/>
+          </a:ln>
+        </p:spPr>
+        <p:style>
+          <a:lnRef idx="2">
+            <a:schemeClr val="accent1">
+              <a:shade val="50000"/>
+            </a:schemeClr>
+          </a:lnRef>
+          <a:fillRef idx="1">
+            <a:schemeClr val="accent1"/>
+          </a:fillRef>
+          <a:effectRef idx="0">
+            <a:schemeClr val="accent1"/>
+          </a:effectRef>
+          <a:fontRef idx="minor">
+            <a:schemeClr val="lt1"/>
+          </a:fontRef>
+        </p:style>
+        <p:txBody>
+          <a:bodyPr rtlCol="0" anchor="ctr"/>
+          <a:lstStyle/>
+          <a:p>
+            <a:pPr algn="ctr"/>
+            <a:endParaRPr lang="en-KR"/>
+          </a:p>
+        </p:txBody>
+      </p:sp>
+      <p:sp>
+        <p:nvSpPr>
+          <p:cNvPr id="50" name="Oval 49">
+            <a:extLst>
+              <a:ext uri="{FF2B5EF4-FFF2-40B4-BE49-F238E27FC236}">
+                <a16:creationId xmlns:a16="http://schemas.microsoft.com/office/drawing/2014/main" id="{EA78B91E-96C2-FB41-A864-EB083C67BE23}"/>
+              </a:ext>
+            </a:extLst>
+          </p:cNvPr>
+          <p:cNvSpPr/>
+          <p:nvPr/>
+        </p:nvSpPr>
+        <p:spPr>
+          <a:xfrm>
+            <a:off x="5708567" y="1348462"/>
+            <a:ext cx="72008" cy="72008"/>
+          </a:xfrm>
+          <a:prstGeom prst="ellipse">
+            <a:avLst/>
+          </a:prstGeom>
+          <a:noFill/>
+          <a:ln>
+            <a:noFill/>
+          </a:ln>
+        </p:spPr>
+        <p:style>
+          <a:lnRef idx="2">
+            <a:schemeClr val="accent1">
+              <a:shade val="50000"/>
+            </a:schemeClr>
+          </a:lnRef>
+          <a:fillRef idx="1">
+            <a:schemeClr val="accent1"/>
+          </a:fillRef>
+          <a:effectRef idx="0">
+            <a:schemeClr val="accent1"/>
+          </a:effectRef>
+          <a:fontRef idx="minor">
+            <a:schemeClr val="lt1"/>
+          </a:fontRef>
+        </p:style>
+        <p:txBody>
+          <a:bodyPr rtlCol="0" anchor="ctr"/>
+          <a:lstStyle/>
+          <a:p>
+            <a:pPr algn="ctr"/>
+            <a:endParaRPr lang="en-KR"/>
+          </a:p>
+        </p:txBody>
+      </p:sp>
     </p:spTree>
     <p:extLst>
       <p:ext uri="{BB962C8B-B14F-4D97-AF65-F5344CB8AC3E}">
-        <p14:creationId xmlns:p14="http://schemas.microsoft.com/office/powerpoint/2010/main" val="3023004438"/>
+        <p14:creationId xmlns:p14="http://schemas.microsoft.com/office/powerpoint/2010/main" val="1870486157"/>
       </p:ext>
     </p:extLst>
   </p:cSld>
@@ -5046,10 +5229,10 @@
       </p:grpSpPr>
       <p:pic>
         <p:nvPicPr>
-          <p:cNvPr id="10" name="Picture 36" descr="hive logo">
-            <a:extLst>
-              <a:ext uri="{FF2B5EF4-FFF2-40B4-BE49-F238E27FC236}">
-                <a16:creationId xmlns:a16="http://schemas.microsoft.com/office/drawing/2014/main" id="{FB3165EF-ED12-0C47-8A41-D8BA43F39EB1}"/>
+          <p:cNvPr id="13" name="Picture 38" descr="Trino logo - Social media &amp; Logos Icons">
+            <a:extLst>
+              <a:ext uri="{FF2B5EF4-FFF2-40B4-BE49-F238E27FC236}">
+                <a16:creationId xmlns:a16="http://schemas.microsoft.com/office/drawing/2014/main" id="{61853499-68AF-D144-B99C-2574665302F9}"/>
               </a:ext>
             </a:extLst>
           </p:cNvPr>
@@ -5073,8 +5256,8 @@
         </p:blipFill>
         <p:spPr bwMode="auto">
           <a:xfrm>
-            <a:off x="1419847" y="1119375"/>
-            <a:ext cx="328600" cy="295986"/>
+            <a:off x="1803325" y="3549848"/>
+            <a:ext cx="280766" cy="280766"/>
           </a:xfrm>
           <a:prstGeom prst="rect">
             <a:avLst/>
@@ -5093,10 +5276,10 @@
       </p:pic>
       <p:sp>
         <p:nvSpPr>
-          <p:cNvPr id="11" name="모서리가 둥근 직사각형 18">
-            <a:extLst>
-              <a:ext uri="{FF2B5EF4-FFF2-40B4-BE49-F238E27FC236}">
-                <a16:creationId xmlns:a16="http://schemas.microsoft.com/office/drawing/2014/main" id="{04E5D2CF-F2CF-D04B-B215-3C970B7024F1}"/>
+          <p:cNvPr id="14" name="모서리가 둥근 직사각형 18">
+            <a:extLst>
+              <a:ext uri="{FF2B5EF4-FFF2-40B4-BE49-F238E27FC236}">
+                <a16:creationId xmlns:a16="http://schemas.microsoft.com/office/drawing/2014/main" id="{5039A755-8169-0546-82F9-BCC9E44E4C91}"/>
               </a:ext>
             </a:extLst>
           </p:cNvPr>
@@ -5105,8 +5288,8 @@
         </p:nvSpPr>
         <p:spPr>
           <a:xfrm>
-            <a:off x="1187624" y="1059582"/>
-            <a:ext cx="806272" cy="638769"/>
+            <a:off x="7835836" y="4295781"/>
+            <a:ext cx="936104" cy="594629"/>
           </a:xfrm>
           <a:prstGeom prst="roundRect">
             <a:avLst>
@@ -5136,83 +5319,18 @@
           <a:p>
             <a:pPr algn="ctr"/>
             <a:r>
-              <a:rPr lang="en-US" altLang="ko-KR" sz="600"/>
-              <a:t>Hive MetaStore</a:t>
-            </a:r>
-          </a:p>
-          <a:p>
-            <a:pPr algn="ctr"/>
-            <a:r>
-              <a:rPr lang="en-US" altLang="ko-KR" sz="600"/>
-              <a:t>(Deployment)</a:t>
-            </a:r>
-          </a:p>
-        </p:txBody>
-      </p:sp>
-      <p:sp>
-        <p:nvSpPr>
-          <p:cNvPr id="12" name="모서리가 둥근 직사각형 18">
-            <a:extLst>
-              <a:ext uri="{FF2B5EF4-FFF2-40B4-BE49-F238E27FC236}">
-                <a16:creationId xmlns:a16="http://schemas.microsoft.com/office/drawing/2014/main" id="{16D32B25-AD5A-5742-99A3-4E4B1925BE7B}"/>
-              </a:ext>
-            </a:extLst>
-          </p:cNvPr>
-          <p:cNvSpPr/>
-          <p:nvPr/>
-        </p:nvSpPr>
-        <p:spPr>
-          <a:xfrm>
-            <a:off x="2555776" y="1059582"/>
-            <a:ext cx="806272" cy="638769"/>
-          </a:xfrm>
-          <a:prstGeom prst="roundRect">
-            <a:avLst>
-              <a:gd name="adj" fmla="val 11578"/>
-            </a:avLst>
-          </a:prstGeom>
-          <a:noFill/>
-          <a:ln w="12700"/>
-        </p:spPr>
-        <p:style>
-          <a:lnRef idx="2">
-            <a:schemeClr val="dk1"/>
-          </a:lnRef>
-          <a:fillRef idx="1">
-            <a:schemeClr val="lt1"/>
-          </a:fillRef>
-          <a:effectRef idx="0">
-            <a:schemeClr val="dk1"/>
-          </a:effectRef>
-          <a:fontRef idx="minor">
-            <a:schemeClr val="dk1"/>
-          </a:fontRef>
-        </p:style>
-        <p:txBody>
-          <a:bodyPr rtlCol="0" anchor="b"/>
-          <a:lstStyle/>
-          <a:p>
-            <a:pPr algn="ctr"/>
-            <a:r>
-              <a:rPr lang="en-US" altLang="ko-KR" sz="600"/>
-              <a:t>Trino Job</a:t>
-            </a:r>
-          </a:p>
-          <a:p>
-            <a:pPr algn="ctr"/>
-            <a:r>
-              <a:rPr lang="en-US" altLang="ko-KR" sz="600"/>
-              <a:t>(Deployment)</a:t>
+              <a:rPr lang="en-US" altLang="ko-KR" sz="800"/>
+              <a:t>Dagster</a:t>
             </a:r>
           </a:p>
         </p:txBody>
       </p:sp>
       <p:pic>
         <p:nvPicPr>
-          <p:cNvPr id="13" name="Picture 38" descr="Trino logo - Social media &amp; Logos Icons">
-            <a:extLst>
-              <a:ext uri="{FF2B5EF4-FFF2-40B4-BE49-F238E27FC236}">
-                <a16:creationId xmlns:a16="http://schemas.microsoft.com/office/drawing/2014/main" id="{61853499-68AF-D144-B99C-2574665302F9}"/>
+          <p:cNvPr id="15" name="Picture 18" descr="Apache Airflow Review 2024: Pricing, Features, Alternatives">
+            <a:extLst>
+              <a:ext uri="{FF2B5EF4-FFF2-40B4-BE49-F238E27FC236}">
+                <a16:creationId xmlns:a16="http://schemas.microsoft.com/office/drawing/2014/main" id="{34702B05-11F4-E742-B421-9827A40C461C}"/>
               </a:ext>
             </a:extLst>
           </p:cNvPr>
@@ -5236,8 +5354,8 @@
         </p:blipFill>
         <p:spPr bwMode="auto">
           <a:xfrm>
-            <a:off x="2815933" y="1130989"/>
-            <a:ext cx="280766" cy="280766"/>
+            <a:off x="8164462" y="4360469"/>
+            <a:ext cx="278851" cy="278851"/>
           </a:xfrm>
           <a:prstGeom prst="rect">
             <a:avLst/>
@@ -5256,10 +5374,10 @@
       </p:pic>
       <p:sp>
         <p:nvSpPr>
-          <p:cNvPr id="14" name="모서리가 둥근 직사각형 18">
-            <a:extLst>
-              <a:ext uri="{FF2B5EF4-FFF2-40B4-BE49-F238E27FC236}">
-                <a16:creationId xmlns:a16="http://schemas.microsoft.com/office/drawing/2014/main" id="{5039A755-8169-0546-82F9-BCC9E44E4C91}"/>
+          <p:cNvPr id="16" name="모서리가 둥근 직사각형 18">
+            <a:extLst>
+              <a:ext uri="{FF2B5EF4-FFF2-40B4-BE49-F238E27FC236}">
+                <a16:creationId xmlns:a16="http://schemas.microsoft.com/office/drawing/2014/main" id="{EFDA4160-84E4-BF4A-8400-36AD097EBA3C}"/>
               </a:ext>
             </a:extLst>
           </p:cNvPr>
@@ -5268,12 +5386,12 @@
         </p:nvSpPr>
         <p:spPr>
           <a:xfrm>
-            <a:off x="3923928" y="1059582"/>
-            <a:ext cx="806272" cy="638769"/>
+            <a:off x="2619252" y="339500"/>
+            <a:ext cx="6168848" cy="3744418"/>
           </a:xfrm>
           <a:prstGeom prst="roundRect">
             <a:avLst>
-              <a:gd name="adj" fmla="val 11578"/>
+              <a:gd name="adj" fmla="val 2883"/>
             </a:avLst>
           </a:prstGeom>
           <a:noFill/>
@@ -5297,27 +5415,59 @@
           <a:bodyPr rtlCol="0" anchor="b"/>
           <a:lstStyle/>
           <a:p>
-            <a:pPr algn="ctr"/>
-            <a:r>
-              <a:rPr lang="en-US" altLang="ko-KR" sz="600"/>
-              <a:t>Dagster</a:t>
-            </a:r>
-          </a:p>
-          <a:p>
-            <a:pPr algn="ctr"/>
-            <a:r>
-              <a:rPr lang="en-US" altLang="ko-KR" sz="600"/>
-              <a:t>(Deployment)</a:t>
+            <a:pPr algn="r"/>
+            <a:r>
+              <a:rPr lang="en-US" altLang="ko-KR" sz="800"/>
+              <a:t>MinIO</a:t>
             </a:r>
           </a:p>
         </p:txBody>
       </p:sp>
       <p:pic>
         <p:nvPicPr>
-          <p:cNvPr id="15" name="Picture 18" descr="Apache Airflow Review 2024: Pricing, Features, Alternatives">
-            <a:extLst>
-              <a:ext uri="{FF2B5EF4-FFF2-40B4-BE49-F238E27FC236}">
-                <a16:creationId xmlns:a16="http://schemas.microsoft.com/office/drawing/2014/main" id="{34702B05-11F4-E742-B421-9827A40C461C}"/>
+          <p:cNvPr id="17" name="Graphic 16">
+            <a:extLst>
+              <a:ext uri="{FF2B5EF4-FFF2-40B4-BE49-F238E27FC236}">
+                <a16:creationId xmlns:a16="http://schemas.microsoft.com/office/drawing/2014/main" id="{04009843-9F70-A544-AAC4-8C41C40BD543}"/>
+              </a:ext>
+            </a:extLst>
+          </p:cNvPr>
+          <p:cNvPicPr>
+            <a:picLocks noChangeAspect="1"/>
+          </p:cNvPicPr>
+          <p:nvPr/>
+        </p:nvPicPr>
+        <p:blipFill>
+          <a:blip r:embed="rId5">
+            <a:extLst>
+              <a:ext uri="{28A0092B-C50C-407E-A947-70E740481C1C}">
+                <a14:useLocalDpi xmlns:a14="http://schemas.microsoft.com/office/drawing/2010/main" val="0"/>
+              </a:ext>
+              <a:ext uri="{96DAC541-7B7A-43D3-8B79-37D633B846F1}">
+                <asvg:svgBlip xmlns:asvg="http://schemas.microsoft.com/office/drawing/2016/SVG/main" r:embed="rId6"/>
+              </a:ext>
+            </a:extLst>
+          </a:blip>
+          <a:stretch>
+            <a:fillRect/>
+          </a:stretch>
+        </p:blipFill>
+        <p:spPr>
+          <a:xfrm>
+            <a:off x="8140028" y="3660393"/>
+            <a:ext cx="163860" cy="331076"/>
+          </a:xfrm>
+          <a:prstGeom prst="rect">
+            <a:avLst/>
+          </a:prstGeom>
+        </p:spPr>
+      </p:pic>
+      <p:pic>
+        <p:nvPicPr>
+          <p:cNvPr id="1026" name="Picture 2" descr="DBeaver - 위키백과, 우리 모두의 백과사전">
+            <a:extLst>
+              <a:ext uri="{FF2B5EF4-FFF2-40B4-BE49-F238E27FC236}">
+                <a16:creationId xmlns:a16="http://schemas.microsoft.com/office/drawing/2014/main" id="{B05CCE8D-B91D-9541-BF24-126C30637ED2}"/>
               </a:ext>
             </a:extLst>
           </p:cNvPr>
@@ -5327,7 +5477,7 @@
           <p:nvPr/>
         </p:nvPicPr>
         <p:blipFill>
-          <a:blip r:embed="rId5">
+          <a:blip r:embed="rId7">
             <a:extLst>
               <a:ext uri="{28A0092B-C50C-407E-A947-70E740481C1C}">
                 <a14:useLocalDpi xmlns:a14="http://schemas.microsoft.com/office/drawing/2010/main" val="0"/>
@@ -5341,8 +5491,8 @@
         </p:blipFill>
         <p:spPr bwMode="auto">
           <a:xfrm>
-            <a:off x="4185999" y="1132904"/>
-            <a:ext cx="278851" cy="278851"/>
+            <a:off x="724295" y="3549925"/>
+            <a:ext cx="295986" cy="295986"/>
           </a:xfrm>
           <a:prstGeom prst="rect">
             <a:avLst/>
@@ -5361,10 +5511,10 @@
       </p:pic>
       <p:sp>
         <p:nvSpPr>
-          <p:cNvPr id="16" name="모서리가 둥근 직사각형 18">
-            <a:extLst>
-              <a:ext uri="{FF2B5EF4-FFF2-40B4-BE49-F238E27FC236}">
-                <a16:creationId xmlns:a16="http://schemas.microsoft.com/office/drawing/2014/main" id="{EFDA4160-84E4-BF4A-8400-36AD097EBA3C}"/>
+          <p:cNvPr id="18" name="모서리가 둥근 직사각형 18">
+            <a:extLst>
+              <a:ext uri="{FF2B5EF4-FFF2-40B4-BE49-F238E27FC236}">
+                <a16:creationId xmlns:a16="http://schemas.microsoft.com/office/drawing/2014/main" id="{A79FFADD-E465-9441-89CD-9AF86DA28A61}"/>
               </a:ext>
             </a:extLst>
           </p:cNvPr>
@@ -5373,8 +5523,8 @@
         </p:nvSpPr>
         <p:spPr>
           <a:xfrm>
-            <a:off x="5292080" y="1059582"/>
-            <a:ext cx="806272" cy="638769"/>
+            <a:off x="1475656" y="3493450"/>
+            <a:ext cx="936104" cy="590468"/>
           </a:xfrm>
           <a:prstGeom prst="roundRect">
             <a:avLst>
@@ -5404,64 +5554,18 @@
           <a:p>
             <a:pPr algn="ctr"/>
             <a:r>
-              <a:rPr lang="en-US" altLang="ko-KR" sz="600"/>
-              <a:t>MinIO</a:t>
-            </a:r>
-          </a:p>
-          <a:p>
-            <a:pPr algn="ctr"/>
-            <a:r>
-              <a:rPr lang="en-US" altLang="ko-KR" sz="600"/>
-              <a:t>(StatefulSet/PVC)</a:t>
+              <a:rPr lang="en-US" altLang="ko-KR" sz="800"/>
+              <a:t>Trino</a:t>
             </a:r>
           </a:p>
         </p:txBody>
       </p:sp>
       <p:pic>
         <p:nvPicPr>
-          <p:cNvPr id="17" name="Graphic 16">
-            <a:extLst>
-              <a:ext uri="{FF2B5EF4-FFF2-40B4-BE49-F238E27FC236}">
-                <a16:creationId xmlns:a16="http://schemas.microsoft.com/office/drawing/2014/main" id="{04009843-9F70-A544-AAC4-8C41C40BD543}"/>
-              </a:ext>
-            </a:extLst>
-          </p:cNvPr>
-          <p:cNvPicPr>
-            <a:picLocks noChangeAspect="1"/>
-          </p:cNvPicPr>
-          <p:nvPr/>
-        </p:nvPicPr>
-        <p:blipFill>
-          <a:blip r:embed="rId6">
-            <a:extLst>
-              <a:ext uri="{28A0092B-C50C-407E-A947-70E740481C1C}">
-                <a14:useLocalDpi xmlns:a14="http://schemas.microsoft.com/office/drawing/2010/main" val="0"/>
-              </a:ext>
-              <a:ext uri="{96DAC541-7B7A-43D3-8B79-37D633B846F1}">
-                <asvg:svgBlip xmlns:asvg="http://schemas.microsoft.com/office/drawing/2016/SVG/main" r:embed="rId7"/>
-              </a:ext>
-            </a:extLst>
-          </a:blip>
-          <a:stretch>
-            <a:fillRect/>
-          </a:stretch>
-        </p:blipFill>
-        <p:spPr>
-          <a:xfrm>
-            <a:off x="5607182" y="1078764"/>
-            <a:ext cx="163860" cy="331076"/>
-          </a:xfrm>
-          <a:prstGeom prst="rect">
-            <a:avLst/>
-          </a:prstGeom>
-        </p:spPr>
-      </p:pic>
-      <p:pic>
-        <p:nvPicPr>
-          <p:cNvPr id="1026" name="Picture 2" descr="DBeaver - 위키백과, 우리 모두의 백과사전">
-            <a:extLst>
-              <a:ext uri="{FF2B5EF4-FFF2-40B4-BE49-F238E27FC236}">
-                <a16:creationId xmlns:a16="http://schemas.microsoft.com/office/drawing/2014/main" id="{B05CCE8D-B91D-9541-BF24-126C30637ED2}"/>
+          <p:cNvPr id="10" name="Picture 36" descr="hive logo">
+            <a:extLst>
+              <a:ext uri="{FF2B5EF4-FFF2-40B4-BE49-F238E27FC236}">
+                <a16:creationId xmlns:a16="http://schemas.microsoft.com/office/drawing/2014/main" id="{FB3165EF-ED12-0C47-8A41-D8BA43F39EB1}"/>
               </a:ext>
             </a:extLst>
           </p:cNvPr>
@@ -5485,8 +5589,8 @@
         </p:blipFill>
         <p:spPr bwMode="auto">
           <a:xfrm>
-            <a:off x="2657830" y="2211710"/>
-            <a:ext cx="596971" cy="596971"/>
+            <a:off x="1020281" y="1984224"/>
+            <a:ext cx="383367" cy="295986"/>
           </a:xfrm>
           <a:prstGeom prst="rect">
             <a:avLst/>
@@ -5503,10 +5607,837 @@
           </a:extLst>
         </p:spPr>
       </p:pic>
+      <p:sp>
+        <p:nvSpPr>
+          <p:cNvPr id="11" name="모서리가 둥근 직사각형 18">
+            <a:extLst>
+              <a:ext uri="{FF2B5EF4-FFF2-40B4-BE49-F238E27FC236}">
+                <a16:creationId xmlns:a16="http://schemas.microsoft.com/office/drawing/2014/main" id="{04E5D2CF-F2CF-D04B-B215-3C970B7024F1}"/>
+              </a:ext>
+            </a:extLst>
+          </p:cNvPr>
+          <p:cNvSpPr/>
+          <p:nvPr/>
+        </p:nvSpPr>
+        <p:spPr>
+          <a:xfrm>
+            <a:off x="395536" y="339502"/>
+            <a:ext cx="2016224" cy="2016224"/>
+          </a:xfrm>
+          <a:prstGeom prst="roundRect">
+            <a:avLst>
+              <a:gd name="adj" fmla="val 5842"/>
+            </a:avLst>
+          </a:prstGeom>
+          <a:noFill/>
+          <a:ln w="12700"/>
+        </p:spPr>
+        <p:style>
+          <a:lnRef idx="2">
+            <a:schemeClr val="dk1"/>
+          </a:lnRef>
+          <a:fillRef idx="1">
+            <a:schemeClr val="lt1"/>
+          </a:fillRef>
+          <a:effectRef idx="0">
+            <a:schemeClr val="dk1"/>
+          </a:effectRef>
+          <a:fontRef idx="minor">
+            <a:schemeClr val="dk1"/>
+          </a:fontRef>
+        </p:style>
+        <p:txBody>
+          <a:bodyPr rtlCol="0" anchor="b"/>
+          <a:lstStyle/>
+          <a:p>
+            <a:pPr algn="r"/>
+            <a:r>
+              <a:rPr lang="en-US" altLang="ko-KR" sz="900"/>
+              <a:t>Hive MetaStore</a:t>
+            </a:r>
+          </a:p>
+        </p:txBody>
+      </p:sp>
+      <p:sp>
+        <p:nvSpPr>
+          <p:cNvPr id="19" name="모서리가 둥근 직사각형 18">
+            <a:extLst>
+              <a:ext uri="{FF2B5EF4-FFF2-40B4-BE49-F238E27FC236}">
+                <a16:creationId xmlns:a16="http://schemas.microsoft.com/office/drawing/2014/main" id="{2DF0A121-2C11-6C41-AE02-AC26262A23B3}"/>
+              </a:ext>
+            </a:extLst>
+          </p:cNvPr>
+          <p:cNvSpPr/>
+          <p:nvPr/>
+        </p:nvSpPr>
+        <p:spPr>
+          <a:xfrm>
+            <a:off x="524350" y="445911"/>
+            <a:ext cx="1758596" cy="418488"/>
+          </a:xfrm>
+          <a:prstGeom prst="roundRect">
+            <a:avLst>
+              <a:gd name="adj" fmla="val 11578"/>
+            </a:avLst>
+          </a:prstGeom>
+          <a:noFill/>
+          <a:ln w="12700"/>
+        </p:spPr>
+        <p:style>
+          <a:lnRef idx="2">
+            <a:schemeClr val="dk1"/>
+          </a:lnRef>
+          <a:fillRef idx="1">
+            <a:schemeClr val="lt1"/>
+          </a:fillRef>
+          <a:effectRef idx="0">
+            <a:schemeClr val="dk1"/>
+          </a:effectRef>
+          <a:fontRef idx="minor">
+            <a:schemeClr val="dk1"/>
+          </a:fontRef>
+        </p:style>
+        <p:txBody>
+          <a:bodyPr rtlCol="0" anchor="ctr"/>
+          <a:lstStyle/>
+          <a:p>
+            <a:pPr algn="ctr"/>
+            <a:r>
+              <a:rPr lang="en-US" altLang="ko-KR" sz="900" b="1"/>
+              <a:t>southkorea_hourly_csv</a:t>
+            </a:r>
+          </a:p>
+        </p:txBody>
+      </p:sp>
+      <p:sp>
+        <p:nvSpPr>
+          <p:cNvPr id="20" name="모서리가 둥근 직사각형 18">
+            <a:extLst>
+              <a:ext uri="{FF2B5EF4-FFF2-40B4-BE49-F238E27FC236}">
+                <a16:creationId xmlns:a16="http://schemas.microsoft.com/office/drawing/2014/main" id="{1151AF1F-CC1D-DC47-9432-DE4B55349BBC}"/>
+              </a:ext>
+            </a:extLst>
+          </p:cNvPr>
+          <p:cNvSpPr/>
+          <p:nvPr/>
+        </p:nvSpPr>
+        <p:spPr>
+          <a:xfrm>
+            <a:off x="524350" y="970808"/>
+            <a:ext cx="1758596" cy="418488"/>
+          </a:xfrm>
+          <a:prstGeom prst="roundRect">
+            <a:avLst>
+              <a:gd name="adj" fmla="val 11578"/>
+            </a:avLst>
+          </a:prstGeom>
+          <a:noFill/>
+          <a:ln w="12700"/>
+        </p:spPr>
+        <p:style>
+          <a:lnRef idx="2">
+            <a:schemeClr val="dk1"/>
+          </a:lnRef>
+          <a:fillRef idx="1">
+            <a:schemeClr val="lt1"/>
+          </a:fillRef>
+          <a:effectRef idx="0">
+            <a:schemeClr val="dk1"/>
+          </a:effectRef>
+          <a:fontRef idx="minor">
+            <a:schemeClr val="dk1"/>
+          </a:fontRef>
+        </p:style>
+        <p:txBody>
+          <a:bodyPr rtlCol="0" anchor="ctr"/>
+          <a:lstStyle/>
+          <a:p>
+            <a:pPr algn="ctr"/>
+            <a:r>
+              <a:rPr lang="en-US" altLang="ko-KR" sz="900" b="1"/>
+              <a:t>southkorea_hourly_parquet</a:t>
+            </a:r>
+          </a:p>
+        </p:txBody>
+      </p:sp>
+      <p:sp>
+        <p:nvSpPr>
+          <p:cNvPr id="21" name="모서리가 둥근 직사각형 18">
+            <a:extLst>
+              <a:ext uri="{FF2B5EF4-FFF2-40B4-BE49-F238E27FC236}">
+                <a16:creationId xmlns:a16="http://schemas.microsoft.com/office/drawing/2014/main" id="{108D7904-ABE6-EA46-B056-739EB4E30580}"/>
+              </a:ext>
+            </a:extLst>
+          </p:cNvPr>
+          <p:cNvSpPr/>
+          <p:nvPr/>
+        </p:nvSpPr>
+        <p:spPr>
+          <a:xfrm>
+            <a:off x="532987" y="1495705"/>
+            <a:ext cx="1758596" cy="418488"/>
+          </a:xfrm>
+          <a:prstGeom prst="roundRect">
+            <a:avLst>
+              <a:gd name="adj" fmla="val 11578"/>
+            </a:avLst>
+          </a:prstGeom>
+          <a:noFill/>
+          <a:ln w="12700"/>
+        </p:spPr>
+        <p:style>
+          <a:lnRef idx="2">
+            <a:schemeClr val="dk1"/>
+          </a:lnRef>
+          <a:fillRef idx="1">
+            <a:schemeClr val="lt1"/>
+          </a:fillRef>
+          <a:effectRef idx="0">
+            <a:schemeClr val="dk1"/>
+          </a:effectRef>
+          <a:fontRef idx="minor">
+            <a:schemeClr val="dk1"/>
+          </a:fontRef>
+        </p:style>
+        <p:txBody>
+          <a:bodyPr rtlCol="0" anchor="ctr"/>
+          <a:lstStyle/>
+          <a:p>
+            <a:pPr algn="ctr"/>
+            <a:r>
+              <a:rPr lang="en-US" altLang="ko-KR" sz="900" b="1"/>
+              <a:t>southkorea_hourly_</a:t>
+            </a:r>
+          </a:p>
+          <a:p>
+            <a:pPr algn="ctr"/>
+            <a:r>
+              <a:rPr lang="en-US" altLang="ko-KR" sz="900" b="1"/>
+              <a:t>iceberg_parquet</a:t>
+            </a:r>
+          </a:p>
+        </p:txBody>
+      </p:sp>
+      <p:sp>
+        <p:nvSpPr>
+          <p:cNvPr id="22" name="모서리가 둥근 직사각형 18">
+            <a:extLst>
+              <a:ext uri="{FF2B5EF4-FFF2-40B4-BE49-F238E27FC236}">
+                <a16:creationId xmlns:a16="http://schemas.microsoft.com/office/drawing/2014/main" id="{5C9CAC7F-A115-844D-ACD6-D9571D7811CF}"/>
+              </a:ext>
+            </a:extLst>
+          </p:cNvPr>
+          <p:cNvSpPr/>
+          <p:nvPr/>
+        </p:nvSpPr>
+        <p:spPr>
+          <a:xfrm>
+            <a:off x="2749994" y="443030"/>
+            <a:ext cx="5904656" cy="832575"/>
+          </a:xfrm>
+          <a:prstGeom prst="roundRect">
+            <a:avLst>
+              <a:gd name="adj" fmla="val 11578"/>
+            </a:avLst>
+          </a:prstGeom>
+          <a:noFill/>
+          <a:ln w="12700"/>
+        </p:spPr>
+        <p:style>
+          <a:lnRef idx="2">
+            <a:schemeClr val="dk1"/>
+          </a:lnRef>
+          <a:fillRef idx="1">
+            <a:schemeClr val="lt1"/>
+          </a:fillRef>
+          <a:effectRef idx="0">
+            <a:schemeClr val="dk1"/>
+          </a:effectRef>
+          <a:fontRef idx="minor">
+            <a:schemeClr val="dk1"/>
+          </a:fontRef>
+        </p:style>
+        <p:txBody>
+          <a:bodyPr rtlCol="0" anchor="t"/>
+          <a:lstStyle/>
+          <a:p>
+            <a:pPr algn="ctr"/>
+            <a:r>
+              <a:rPr lang="en-US" altLang="ko-KR" sz="900" b="1"/>
+              <a:t>southkorea_hourly_csv</a:t>
+            </a:r>
+          </a:p>
+          <a:p>
+            <a:pPr algn="ctr"/>
+            <a:endParaRPr lang="en-US" altLang="ko-KR" sz="900"/>
+          </a:p>
+          <a:p>
+            <a:r>
+              <a:rPr lang="en-US" altLang="ko-KR" sz="900"/>
+              <a:t>/weather/southkorea/hourly-csv/year=2025/month=1/day=1/hour=0/data.csv</a:t>
+            </a:r>
+          </a:p>
+          <a:p>
+            <a:r>
+              <a:rPr lang="en-US" altLang="ko-KR" sz="900"/>
+              <a:t>/weather/southkorea/hourly-csv/year=2025/month=1/day=1/hour=1/data.csv</a:t>
+            </a:r>
+          </a:p>
+          <a:p>
+            <a:r>
+              <a:rPr lang="en-US" altLang="ko-KR" sz="900"/>
+              <a:t>…</a:t>
+            </a:r>
+          </a:p>
+        </p:txBody>
+      </p:sp>
+      <p:sp>
+        <p:nvSpPr>
+          <p:cNvPr id="23" name="모서리가 둥근 직사각형 18">
+            <a:extLst>
+              <a:ext uri="{FF2B5EF4-FFF2-40B4-BE49-F238E27FC236}">
+                <a16:creationId xmlns:a16="http://schemas.microsoft.com/office/drawing/2014/main" id="{4899AF0A-C895-7A4C-BE38-FE6178985938}"/>
+              </a:ext>
+            </a:extLst>
+          </p:cNvPr>
+          <p:cNvSpPr/>
+          <p:nvPr/>
+        </p:nvSpPr>
+        <p:spPr>
+          <a:xfrm>
+            <a:off x="2749994" y="1523152"/>
+            <a:ext cx="5904656" cy="832574"/>
+          </a:xfrm>
+          <a:prstGeom prst="roundRect">
+            <a:avLst>
+              <a:gd name="adj" fmla="val 11578"/>
+            </a:avLst>
+          </a:prstGeom>
+          <a:noFill/>
+          <a:ln w="12700"/>
+        </p:spPr>
+        <p:style>
+          <a:lnRef idx="2">
+            <a:schemeClr val="dk1"/>
+          </a:lnRef>
+          <a:fillRef idx="1">
+            <a:schemeClr val="lt1"/>
+          </a:fillRef>
+          <a:effectRef idx="0">
+            <a:schemeClr val="dk1"/>
+          </a:effectRef>
+          <a:fontRef idx="minor">
+            <a:schemeClr val="dk1"/>
+          </a:fontRef>
+        </p:style>
+        <p:txBody>
+          <a:bodyPr rtlCol="0" anchor="t"/>
+          <a:lstStyle/>
+          <a:p>
+            <a:pPr algn="ctr"/>
+            <a:r>
+              <a:rPr lang="en-US" altLang="ko-KR" sz="900" b="1"/>
+              <a:t>southkorea_hourly_parquet</a:t>
+            </a:r>
+          </a:p>
+          <a:p>
+            <a:pPr algn="ctr"/>
+            <a:endParaRPr lang="en-US" altLang="ko-KR" sz="900"/>
+          </a:p>
+          <a:p>
+            <a:r>
+              <a:rPr lang="en-US" altLang="ko-KR" sz="900"/>
+              <a:t>/weather/southkorea/hourly-parquet/year=2025/month=1/day=1/hour=0/data.parquet</a:t>
+            </a:r>
+          </a:p>
+          <a:p>
+            <a:r>
+              <a:rPr lang="en-US" altLang="ko-KR" sz="900"/>
+              <a:t>/weather/southkorea/hourly-parquet/year=2025/month=1/day=1/hour=1/data.parquet</a:t>
+            </a:r>
+          </a:p>
+          <a:p>
+            <a:r>
+              <a:rPr lang="en-US" altLang="ko-KR" sz="900"/>
+              <a:t>…</a:t>
+            </a:r>
+          </a:p>
+        </p:txBody>
+      </p:sp>
+      <p:sp>
+        <p:nvSpPr>
+          <p:cNvPr id="24" name="모서리가 둥근 직사각형 18">
+            <a:extLst>
+              <a:ext uri="{FF2B5EF4-FFF2-40B4-BE49-F238E27FC236}">
+                <a16:creationId xmlns:a16="http://schemas.microsoft.com/office/drawing/2014/main" id="{92411FAD-670A-4242-A7E2-806F7355F1CE}"/>
+              </a:ext>
+            </a:extLst>
+          </p:cNvPr>
+          <p:cNvSpPr/>
+          <p:nvPr/>
+        </p:nvSpPr>
+        <p:spPr>
+          <a:xfrm>
+            <a:off x="2749994" y="2603273"/>
+            <a:ext cx="5904656" cy="964671"/>
+          </a:xfrm>
+          <a:prstGeom prst="roundRect">
+            <a:avLst>
+              <a:gd name="adj" fmla="val 7519"/>
+            </a:avLst>
+          </a:prstGeom>
+          <a:noFill/>
+          <a:ln w="12700"/>
+        </p:spPr>
+        <p:style>
+          <a:lnRef idx="2">
+            <a:schemeClr val="dk1"/>
+          </a:lnRef>
+          <a:fillRef idx="1">
+            <a:schemeClr val="lt1"/>
+          </a:fillRef>
+          <a:effectRef idx="0">
+            <a:schemeClr val="dk1"/>
+          </a:effectRef>
+          <a:fontRef idx="minor">
+            <a:schemeClr val="dk1"/>
+          </a:fontRef>
+        </p:style>
+        <p:txBody>
+          <a:bodyPr rtlCol="0" anchor="t"/>
+          <a:lstStyle/>
+          <a:p>
+            <a:pPr algn="ctr"/>
+            <a:r>
+              <a:rPr lang="en-US" altLang="ko-KR" sz="900" b="1">
+                <a:solidFill>
+                  <a:schemeClr val="tx1"/>
+                </a:solidFill>
+              </a:rPr>
+              <a:t>southkorea_hourly_iceberg_parquet</a:t>
+            </a:r>
+          </a:p>
+          <a:p>
+            <a:pPr algn="ctr"/>
+            <a:endParaRPr lang="en-US" altLang="ko-KR" sz="900"/>
+          </a:p>
+          <a:p>
+            <a:r>
+              <a:rPr lang="en-US" altLang="ko-KR" sz="900"/>
+              <a:t>/weather/southkorea/hourly-iceberg-parquet/metadata</a:t>
+            </a:r>
+          </a:p>
+          <a:p>
+            <a:r>
+              <a:rPr lang="en-US" altLang="ko-KR" sz="900"/>
+              <a:t>/weather/southkorea/hourly-iceberg-parquet/data/year=2025/month=1/day=1/hour=0/[random].parquet</a:t>
+            </a:r>
+          </a:p>
+          <a:p>
+            <a:r>
+              <a:rPr lang="en-US" altLang="ko-KR" sz="900"/>
+              <a:t>/weather/southkorea/hourly-iceberg-parquet/data/year=2025/month=1/day=1/hour=0/[random].parquet</a:t>
+            </a:r>
+          </a:p>
+          <a:p>
+            <a:r>
+              <a:rPr lang="en-US" altLang="ko-KR" sz="900"/>
+              <a:t>…</a:t>
+            </a:r>
+          </a:p>
+        </p:txBody>
+      </p:sp>
+      <p:cxnSp>
+        <p:nvCxnSpPr>
+          <p:cNvPr id="7" name="Straight Arrow Connector 6">
+            <a:extLst>
+              <a:ext uri="{FF2B5EF4-FFF2-40B4-BE49-F238E27FC236}">
+                <a16:creationId xmlns:a16="http://schemas.microsoft.com/office/drawing/2014/main" id="{A7C30F8F-567C-ED4D-948C-E00953F8C87C}"/>
+              </a:ext>
+            </a:extLst>
+          </p:cNvPr>
+          <p:cNvCxnSpPr>
+            <a:stCxn id="22" idx="2"/>
+            <a:endCxn id="23" idx="0"/>
+          </p:cNvCxnSpPr>
+          <p:nvPr/>
+        </p:nvCxnSpPr>
+        <p:spPr>
+          <a:xfrm>
+            <a:off x="5702322" y="1275605"/>
+            <a:ext cx="0" cy="247547"/>
+          </a:xfrm>
+          <a:prstGeom prst="straightConnector1">
+            <a:avLst/>
+          </a:prstGeom>
+          <a:ln w="12700">
+            <a:solidFill>
+              <a:schemeClr val="tx1"/>
+            </a:solidFill>
+            <a:prstDash val="dash"/>
+            <a:tailEnd type="triangle"/>
+          </a:ln>
+        </p:spPr>
+        <p:style>
+          <a:lnRef idx="1">
+            <a:schemeClr val="accent1"/>
+          </a:lnRef>
+          <a:fillRef idx="0">
+            <a:schemeClr val="accent1"/>
+          </a:fillRef>
+          <a:effectRef idx="0">
+            <a:schemeClr val="accent1"/>
+          </a:effectRef>
+          <a:fontRef idx="minor">
+            <a:schemeClr val="tx1"/>
+          </a:fontRef>
+        </p:style>
+      </p:cxnSp>
+      <p:cxnSp>
+        <p:nvCxnSpPr>
+          <p:cNvPr id="25" name="Straight Arrow Connector 24">
+            <a:extLst>
+              <a:ext uri="{FF2B5EF4-FFF2-40B4-BE49-F238E27FC236}">
+                <a16:creationId xmlns:a16="http://schemas.microsoft.com/office/drawing/2014/main" id="{0AD9C422-955D-6A4A-AD54-256F994350B8}"/>
+              </a:ext>
+            </a:extLst>
+          </p:cNvPr>
+          <p:cNvCxnSpPr>
+            <a:cxnSpLocks/>
+            <a:stCxn id="23" idx="2"/>
+            <a:endCxn id="24" idx="0"/>
+          </p:cNvCxnSpPr>
+          <p:nvPr/>
+        </p:nvCxnSpPr>
+        <p:spPr>
+          <a:xfrm>
+            <a:off x="5702322" y="2355726"/>
+            <a:ext cx="0" cy="247547"/>
+          </a:xfrm>
+          <a:prstGeom prst="straightConnector1">
+            <a:avLst/>
+          </a:prstGeom>
+          <a:ln w="12700">
+            <a:solidFill>
+              <a:schemeClr val="tx1"/>
+            </a:solidFill>
+            <a:prstDash val="dash"/>
+            <a:tailEnd type="triangle"/>
+          </a:ln>
+        </p:spPr>
+        <p:style>
+          <a:lnRef idx="1">
+            <a:schemeClr val="accent1"/>
+          </a:lnRef>
+          <a:fillRef idx="0">
+            <a:schemeClr val="accent1"/>
+          </a:fillRef>
+          <a:effectRef idx="0">
+            <a:schemeClr val="accent1"/>
+          </a:effectRef>
+          <a:fontRef idx="minor">
+            <a:schemeClr val="tx1"/>
+          </a:fontRef>
+        </p:style>
+      </p:cxnSp>
+      <p:cxnSp>
+        <p:nvCxnSpPr>
+          <p:cNvPr id="39" name="Elbow Connector 38">
+            <a:extLst>
+              <a:ext uri="{FF2B5EF4-FFF2-40B4-BE49-F238E27FC236}">
+                <a16:creationId xmlns:a16="http://schemas.microsoft.com/office/drawing/2014/main" id="{1EA03A53-A02D-CD4D-A63C-0911E9367266}"/>
+              </a:ext>
+            </a:extLst>
+          </p:cNvPr>
+          <p:cNvCxnSpPr>
+            <a:cxnSpLocks/>
+            <a:stCxn id="14" idx="3"/>
+            <a:endCxn id="23" idx="0"/>
+          </p:cNvCxnSpPr>
+          <p:nvPr/>
+        </p:nvCxnSpPr>
+        <p:spPr>
+          <a:xfrm flipH="1" flipV="1">
+            <a:off x="5702322" y="1523152"/>
+            <a:ext cx="3069618" cy="3069944"/>
+          </a:xfrm>
+          <a:prstGeom prst="bentConnector4">
+            <a:avLst>
+              <a:gd name="adj1" fmla="val -7447"/>
+              <a:gd name="adj2" fmla="val 104232"/>
+            </a:avLst>
+          </a:prstGeom>
+          <a:ln w="12700">
+            <a:solidFill>
+              <a:schemeClr val="tx1"/>
+            </a:solidFill>
+            <a:prstDash val="dash"/>
+            <a:tailEnd type="triangle"/>
+          </a:ln>
+        </p:spPr>
+        <p:style>
+          <a:lnRef idx="1">
+            <a:schemeClr val="accent1"/>
+          </a:lnRef>
+          <a:fillRef idx="0">
+            <a:schemeClr val="accent1"/>
+          </a:fillRef>
+          <a:effectRef idx="0">
+            <a:schemeClr val="accent1"/>
+          </a:effectRef>
+          <a:fontRef idx="minor">
+            <a:schemeClr val="tx1"/>
+          </a:fontRef>
+        </p:style>
+      </p:cxnSp>
+      <p:cxnSp>
+        <p:nvCxnSpPr>
+          <p:cNvPr id="46" name="Elbow Connector 45">
+            <a:extLst>
+              <a:ext uri="{FF2B5EF4-FFF2-40B4-BE49-F238E27FC236}">
+                <a16:creationId xmlns:a16="http://schemas.microsoft.com/office/drawing/2014/main" id="{AB7DC045-D822-6740-A682-FB407D758C28}"/>
+              </a:ext>
+            </a:extLst>
+          </p:cNvPr>
+          <p:cNvCxnSpPr>
+            <a:cxnSpLocks/>
+            <a:stCxn id="14" idx="3"/>
+            <a:endCxn id="24" idx="0"/>
+          </p:cNvCxnSpPr>
+          <p:nvPr/>
+        </p:nvCxnSpPr>
+        <p:spPr>
+          <a:xfrm flipH="1" flipV="1">
+            <a:off x="5702322" y="2603273"/>
+            <a:ext cx="3069618" cy="1989823"/>
+          </a:xfrm>
+          <a:prstGeom prst="bentConnector4">
+            <a:avLst>
+              <a:gd name="adj1" fmla="val -7447"/>
+              <a:gd name="adj2" fmla="val 107190"/>
+            </a:avLst>
+          </a:prstGeom>
+          <a:ln w="12700">
+            <a:solidFill>
+              <a:schemeClr val="tx1"/>
+            </a:solidFill>
+            <a:prstDash val="dash"/>
+            <a:tailEnd type="triangle"/>
+          </a:ln>
+        </p:spPr>
+        <p:style>
+          <a:lnRef idx="1">
+            <a:schemeClr val="accent1"/>
+          </a:lnRef>
+          <a:fillRef idx="0">
+            <a:schemeClr val="accent1"/>
+          </a:fillRef>
+          <a:effectRef idx="0">
+            <a:schemeClr val="accent1"/>
+          </a:effectRef>
+          <a:fontRef idx="minor">
+            <a:schemeClr val="tx1"/>
+          </a:fontRef>
+        </p:style>
+      </p:cxnSp>
+      <p:cxnSp>
+        <p:nvCxnSpPr>
+          <p:cNvPr id="56" name="Elbow Connector 55">
+            <a:extLst>
+              <a:ext uri="{FF2B5EF4-FFF2-40B4-BE49-F238E27FC236}">
+                <a16:creationId xmlns:a16="http://schemas.microsoft.com/office/drawing/2014/main" id="{E29B6844-FE14-204B-B9AE-064CAEB81195}"/>
+              </a:ext>
+            </a:extLst>
+          </p:cNvPr>
+          <p:cNvCxnSpPr>
+            <a:cxnSpLocks/>
+            <a:stCxn id="18" idx="0"/>
+            <a:endCxn id="11" idx="2"/>
+          </p:cNvCxnSpPr>
+          <p:nvPr/>
+        </p:nvCxnSpPr>
+        <p:spPr>
+          <a:xfrm rot="16200000" flipV="1">
+            <a:off x="1104816" y="2654558"/>
+            <a:ext cx="1137724" cy="540060"/>
+          </a:xfrm>
+          <a:prstGeom prst="bentConnector3">
+            <a:avLst>
+              <a:gd name="adj1" fmla="val 50000"/>
+            </a:avLst>
+          </a:prstGeom>
+          <a:ln w="12700">
+            <a:solidFill>
+              <a:schemeClr val="tx1"/>
+            </a:solidFill>
+            <a:prstDash val="solid"/>
+            <a:tailEnd type="triangle"/>
+          </a:ln>
+        </p:spPr>
+        <p:style>
+          <a:lnRef idx="1">
+            <a:schemeClr val="accent1"/>
+          </a:lnRef>
+          <a:fillRef idx="0">
+            <a:schemeClr val="accent1"/>
+          </a:fillRef>
+          <a:effectRef idx="0">
+            <a:schemeClr val="accent1"/>
+          </a:effectRef>
+          <a:fontRef idx="minor">
+            <a:schemeClr val="tx1"/>
+          </a:fontRef>
+        </p:style>
+      </p:cxnSp>
+      <p:sp>
+        <p:nvSpPr>
+          <p:cNvPr id="60" name="모서리가 둥근 직사각형 18">
+            <a:extLst>
+              <a:ext uri="{FF2B5EF4-FFF2-40B4-BE49-F238E27FC236}">
+                <a16:creationId xmlns:a16="http://schemas.microsoft.com/office/drawing/2014/main" id="{FA346DF1-E04B-BB44-8060-C1904E527CCE}"/>
+              </a:ext>
+            </a:extLst>
+          </p:cNvPr>
+          <p:cNvSpPr/>
+          <p:nvPr/>
+        </p:nvSpPr>
+        <p:spPr>
+          <a:xfrm>
+            <a:off x="399169" y="3493450"/>
+            <a:ext cx="936104" cy="590468"/>
+          </a:xfrm>
+          <a:prstGeom prst="roundRect">
+            <a:avLst>
+              <a:gd name="adj" fmla="val 11578"/>
+            </a:avLst>
+          </a:prstGeom>
+          <a:noFill/>
+          <a:ln w="12700"/>
+        </p:spPr>
+        <p:style>
+          <a:lnRef idx="2">
+            <a:schemeClr val="dk1"/>
+          </a:lnRef>
+          <a:fillRef idx="1">
+            <a:schemeClr val="lt1"/>
+          </a:fillRef>
+          <a:effectRef idx="0">
+            <a:schemeClr val="dk1"/>
+          </a:effectRef>
+          <a:fontRef idx="minor">
+            <a:schemeClr val="dk1"/>
+          </a:fontRef>
+        </p:style>
+        <p:txBody>
+          <a:bodyPr rtlCol="0" anchor="b"/>
+          <a:lstStyle/>
+          <a:p>
+            <a:pPr algn="ctr"/>
+            <a:r>
+              <a:rPr lang="en-US" altLang="ko-KR" sz="800"/>
+              <a:t>DBeaver</a:t>
+            </a:r>
+          </a:p>
+        </p:txBody>
+      </p:sp>
+      <p:cxnSp>
+        <p:nvCxnSpPr>
+          <p:cNvPr id="61" name="Elbow Connector 60">
+            <a:extLst>
+              <a:ext uri="{FF2B5EF4-FFF2-40B4-BE49-F238E27FC236}">
+                <a16:creationId xmlns:a16="http://schemas.microsoft.com/office/drawing/2014/main" id="{5B003716-D0D4-6546-928C-3D73513B3426}"/>
+              </a:ext>
+            </a:extLst>
+          </p:cNvPr>
+          <p:cNvCxnSpPr>
+            <a:cxnSpLocks/>
+            <a:stCxn id="18" idx="2"/>
+            <a:endCxn id="16" idx="2"/>
+          </p:cNvCxnSpPr>
+          <p:nvPr/>
+        </p:nvCxnSpPr>
+        <p:spPr>
+          <a:xfrm rot="16200000" flipH="1">
+            <a:off x="3823692" y="2203934"/>
+            <a:ext cx="12700" cy="3759968"/>
+          </a:xfrm>
+          <a:prstGeom prst="bentConnector3">
+            <a:avLst>
+              <a:gd name="adj1" fmla="val 1095102"/>
+            </a:avLst>
+          </a:prstGeom>
+          <a:ln w="12700">
+            <a:solidFill>
+              <a:schemeClr val="tx1"/>
+            </a:solidFill>
+            <a:prstDash val="solid"/>
+            <a:tailEnd type="triangle"/>
+          </a:ln>
+        </p:spPr>
+        <p:style>
+          <a:lnRef idx="1">
+            <a:schemeClr val="accent1"/>
+          </a:lnRef>
+          <a:fillRef idx="0">
+            <a:schemeClr val="accent1"/>
+          </a:fillRef>
+          <a:effectRef idx="0">
+            <a:schemeClr val="accent1"/>
+          </a:effectRef>
+          <a:fontRef idx="minor">
+            <a:schemeClr val="tx1"/>
+          </a:fontRef>
+        </p:style>
+      </p:cxnSp>
+      <p:cxnSp>
+        <p:nvCxnSpPr>
+          <p:cNvPr id="1039" name="Straight Arrow Connector 1038">
+            <a:extLst>
+              <a:ext uri="{FF2B5EF4-FFF2-40B4-BE49-F238E27FC236}">
+                <a16:creationId xmlns:a16="http://schemas.microsoft.com/office/drawing/2014/main" id="{7FCB6572-58F5-9147-9EB0-B5E1DCD01B43}"/>
+              </a:ext>
+            </a:extLst>
+          </p:cNvPr>
+          <p:cNvCxnSpPr>
+            <a:stCxn id="60" idx="3"/>
+            <a:endCxn id="18" idx="1"/>
+          </p:cNvCxnSpPr>
+          <p:nvPr/>
+        </p:nvCxnSpPr>
+        <p:spPr>
+          <a:xfrm>
+            <a:off x="1335273" y="3788684"/>
+            <a:ext cx="140383" cy="0"/>
+          </a:xfrm>
+          <a:prstGeom prst="straightConnector1">
+            <a:avLst/>
+          </a:prstGeom>
+          <a:ln w="12700">
+            <a:solidFill>
+              <a:schemeClr val="tx1"/>
+            </a:solidFill>
+            <a:tailEnd type="triangle"/>
+          </a:ln>
+        </p:spPr>
+        <p:style>
+          <a:lnRef idx="1">
+            <a:schemeClr val="accent1"/>
+          </a:lnRef>
+          <a:fillRef idx="0">
+            <a:schemeClr val="accent1"/>
+          </a:fillRef>
+          <a:effectRef idx="0">
+            <a:schemeClr val="accent1"/>
+          </a:effectRef>
+          <a:fontRef idx="minor">
+            <a:schemeClr val="tx1"/>
+          </a:fontRef>
+        </p:style>
+      </p:cxnSp>
     </p:spTree>
     <p:extLst>
       <p:ext uri="{BB962C8B-B14F-4D97-AF65-F5344CB8AC3E}">
-        <p14:creationId xmlns:p14="http://schemas.microsoft.com/office/powerpoint/2010/main" val="224921638"/>
+        <p14:creationId xmlns:p14="http://schemas.microsoft.com/office/powerpoint/2010/main" val="3023004438"/>
       </p:ext>
     </p:extLst>
   </p:cSld>
@@ -5533,6 +6464,495 @@
           <a:chExt cx="0" cy="0"/>
         </a:xfrm>
       </p:grpSpPr>
+      <p:pic>
+        <p:nvPicPr>
+          <p:cNvPr id="10" name="Picture 36" descr="hive logo">
+            <a:extLst>
+              <a:ext uri="{FF2B5EF4-FFF2-40B4-BE49-F238E27FC236}">
+                <a16:creationId xmlns:a16="http://schemas.microsoft.com/office/drawing/2014/main" id="{FB3165EF-ED12-0C47-8A41-D8BA43F39EB1}"/>
+              </a:ext>
+            </a:extLst>
+          </p:cNvPr>
+          <p:cNvPicPr>
+            <a:picLocks noChangeAspect="1" noChangeArrowheads="1"/>
+          </p:cNvPicPr>
+          <p:nvPr/>
+        </p:nvPicPr>
+        <p:blipFill>
+          <a:blip r:embed="rId3">
+            <a:extLst>
+              <a:ext uri="{28A0092B-C50C-407E-A947-70E740481C1C}">
+                <a14:useLocalDpi xmlns:a14="http://schemas.microsoft.com/office/drawing/2010/main" val="0"/>
+              </a:ext>
+            </a:extLst>
+          </a:blip>
+          <a:srcRect/>
+          <a:stretch>
+            <a:fillRect/>
+          </a:stretch>
+        </p:blipFill>
+        <p:spPr bwMode="auto">
+          <a:xfrm>
+            <a:off x="1419847" y="1119375"/>
+            <a:ext cx="328600" cy="295986"/>
+          </a:xfrm>
+          <a:prstGeom prst="rect">
+            <a:avLst/>
+          </a:prstGeom>
+          <a:noFill/>
+          <a:extLst>
+            <a:ext uri="{909E8E84-426E-40DD-AFC4-6F175D3DCCD1}">
+              <a14:hiddenFill xmlns:a14="http://schemas.microsoft.com/office/drawing/2010/main">
+                <a:solidFill>
+                  <a:srgbClr val="FFFFFF"/>
+                </a:solidFill>
+              </a14:hiddenFill>
+            </a:ext>
+          </a:extLst>
+        </p:spPr>
+      </p:pic>
+      <p:sp>
+        <p:nvSpPr>
+          <p:cNvPr id="11" name="모서리가 둥근 직사각형 18">
+            <a:extLst>
+              <a:ext uri="{FF2B5EF4-FFF2-40B4-BE49-F238E27FC236}">
+                <a16:creationId xmlns:a16="http://schemas.microsoft.com/office/drawing/2014/main" id="{04E5D2CF-F2CF-D04B-B215-3C970B7024F1}"/>
+              </a:ext>
+            </a:extLst>
+          </p:cNvPr>
+          <p:cNvSpPr/>
+          <p:nvPr/>
+        </p:nvSpPr>
+        <p:spPr>
+          <a:xfrm>
+            <a:off x="1187624" y="1059582"/>
+            <a:ext cx="806272" cy="638769"/>
+          </a:xfrm>
+          <a:prstGeom prst="roundRect">
+            <a:avLst>
+              <a:gd name="adj" fmla="val 11578"/>
+            </a:avLst>
+          </a:prstGeom>
+          <a:noFill/>
+          <a:ln w="12700"/>
+        </p:spPr>
+        <p:style>
+          <a:lnRef idx="2">
+            <a:schemeClr val="dk1"/>
+          </a:lnRef>
+          <a:fillRef idx="1">
+            <a:schemeClr val="lt1"/>
+          </a:fillRef>
+          <a:effectRef idx="0">
+            <a:schemeClr val="dk1"/>
+          </a:effectRef>
+          <a:fontRef idx="minor">
+            <a:schemeClr val="dk1"/>
+          </a:fontRef>
+        </p:style>
+        <p:txBody>
+          <a:bodyPr rtlCol="0" anchor="b"/>
+          <a:lstStyle/>
+          <a:p>
+            <a:pPr algn="ctr"/>
+            <a:r>
+              <a:rPr lang="en-US" altLang="ko-KR" sz="600"/>
+              <a:t>Hive MetaStore</a:t>
+            </a:r>
+          </a:p>
+          <a:p>
+            <a:pPr algn="ctr"/>
+            <a:r>
+              <a:rPr lang="en-US" altLang="ko-KR" sz="600"/>
+              <a:t>(Deployment)</a:t>
+            </a:r>
+          </a:p>
+        </p:txBody>
+      </p:sp>
+      <p:sp>
+        <p:nvSpPr>
+          <p:cNvPr id="12" name="모서리가 둥근 직사각형 18">
+            <a:extLst>
+              <a:ext uri="{FF2B5EF4-FFF2-40B4-BE49-F238E27FC236}">
+                <a16:creationId xmlns:a16="http://schemas.microsoft.com/office/drawing/2014/main" id="{16D32B25-AD5A-5742-99A3-4E4B1925BE7B}"/>
+              </a:ext>
+            </a:extLst>
+          </p:cNvPr>
+          <p:cNvSpPr/>
+          <p:nvPr/>
+        </p:nvSpPr>
+        <p:spPr>
+          <a:xfrm>
+            <a:off x="2555776" y="1059582"/>
+            <a:ext cx="806272" cy="638769"/>
+          </a:xfrm>
+          <a:prstGeom prst="roundRect">
+            <a:avLst>
+              <a:gd name="adj" fmla="val 11578"/>
+            </a:avLst>
+          </a:prstGeom>
+          <a:noFill/>
+          <a:ln w="12700"/>
+        </p:spPr>
+        <p:style>
+          <a:lnRef idx="2">
+            <a:schemeClr val="dk1"/>
+          </a:lnRef>
+          <a:fillRef idx="1">
+            <a:schemeClr val="lt1"/>
+          </a:fillRef>
+          <a:effectRef idx="0">
+            <a:schemeClr val="dk1"/>
+          </a:effectRef>
+          <a:fontRef idx="minor">
+            <a:schemeClr val="dk1"/>
+          </a:fontRef>
+        </p:style>
+        <p:txBody>
+          <a:bodyPr rtlCol="0" anchor="b"/>
+          <a:lstStyle/>
+          <a:p>
+            <a:pPr algn="ctr"/>
+            <a:r>
+              <a:rPr lang="en-US" altLang="ko-KR" sz="600"/>
+              <a:t>Trino Job</a:t>
+            </a:r>
+          </a:p>
+          <a:p>
+            <a:pPr algn="ctr"/>
+            <a:r>
+              <a:rPr lang="en-US" altLang="ko-KR" sz="600"/>
+              <a:t>(Deployment)</a:t>
+            </a:r>
+          </a:p>
+        </p:txBody>
+      </p:sp>
+      <p:pic>
+        <p:nvPicPr>
+          <p:cNvPr id="13" name="Picture 38" descr="Trino logo - Social media &amp; Logos Icons">
+            <a:extLst>
+              <a:ext uri="{FF2B5EF4-FFF2-40B4-BE49-F238E27FC236}">
+                <a16:creationId xmlns:a16="http://schemas.microsoft.com/office/drawing/2014/main" id="{61853499-68AF-D144-B99C-2574665302F9}"/>
+              </a:ext>
+            </a:extLst>
+          </p:cNvPr>
+          <p:cNvPicPr>
+            <a:picLocks noChangeAspect="1" noChangeArrowheads="1"/>
+          </p:cNvPicPr>
+          <p:nvPr/>
+        </p:nvPicPr>
+        <p:blipFill>
+          <a:blip r:embed="rId4">
+            <a:extLst>
+              <a:ext uri="{28A0092B-C50C-407E-A947-70E740481C1C}">
+                <a14:useLocalDpi xmlns:a14="http://schemas.microsoft.com/office/drawing/2010/main" val="0"/>
+              </a:ext>
+            </a:extLst>
+          </a:blip>
+          <a:srcRect/>
+          <a:stretch>
+            <a:fillRect/>
+          </a:stretch>
+        </p:blipFill>
+        <p:spPr bwMode="auto">
+          <a:xfrm>
+            <a:off x="2815933" y="1130989"/>
+            <a:ext cx="280766" cy="280766"/>
+          </a:xfrm>
+          <a:prstGeom prst="rect">
+            <a:avLst/>
+          </a:prstGeom>
+          <a:noFill/>
+          <a:extLst>
+            <a:ext uri="{909E8E84-426E-40DD-AFC4-6F175D3DCCD1}">
+              <a14:hiddenFill xmlns:a14="http://schemas.microsoft.com/office/drawing/2010/main">
+                <a:solidFill>
+                  <a:srgbClr val="FFFFFF"/>
+                </a:solidFill>
+              </a14:hiddenFill>
+            </a:ext>
+          </a:extLst>
+        </p:spPr>
+      </p:pic>
+      <p:sp>
+        <p:nvSpPr>
+          <p:cNvPr id="14" name="모서리가 둥근 직사각형 18">
+            <a:extLst>
+              <a:ext uri="{FF2B5EF4-FFF2-40B4-BE49-F238E27FC236}">
+                <a16:creationId xmlns:a16="http://schemas.microsoft.com/office/drawing/2014/main" id="{5039A755-8169-0546-82F9-BCC9E44E4C91}"/>
+              </a:ext>
+            </a:extLst>
+          </p:cNvPr>
+          <p:cNvSpPr/>
+          <p:nvPr/>
+        </p:nvSpPr>
+        <p:spPr>
+          <a:xfrm>
+            <a:off x="3923928" y="1059582"/>
+            <a:ext cx="806272" cy="638769"/>
+          </a:xfrm>
+          <a:prstGeom prst="roundRect">
+            <a:avLst>
+              <a:gd name="adj" fmla="val 11578"/>
+            </a:avLst>
+          </a:prstGeom>
+          <a:noFill/>
+          <a:ln w="12700"/>
+        </p:spPr>
+        <p:style>
+          <a:lnRef idx="2">
+            <a:schemeClr val="dk1"/>
+          </a:lnRef>
+          <a:fillRef idx="1">
+            <a:schemeClr val="lt1"/>
+          </a:fillRef>
+          <a:effectRef idx="0">
+            <a:schemeClr val="dk1"/>
+          </a:effectRef>
+          <a:fontRef idx="minor">
+            <a:schemeClr val="dk1"/>
+          </a:fontRef>
+        </p:style>
+        <p:txBody>
+          <a:bodyPr rtlCol="0" anchor="b"/>
+          <a:lstStyle/>
+          <a:p>
+            <a:pPr algn="ctr"/>
+            <a:r>
+              <a:rPr lang="en-US" altLang="ko-KR" sz="600"/>
+              <a:t>Dagster</a:t>
+            </a:r>
+          </a:p>
+          <a:p>
+            <a:pPr algn="ctr"/>
+            <a:r>
+              <a:rPr lang="en-US" altLang="ko-KR" sz="600"/>
+              <a:t>(Deployment)</a:t>
+            </a:r>
+          </a:p>
+        </p:txBody>
+      </p:sp>
+      <p:pic>
+        <p:nvPicPr>
+          <p:cNvPr id="15" name="Picture 18" descr="Apache Airflow Review 2024: Pricing, Features, Alternatives">
+            <a:extLst>
+              <a:ext uri="{FF2B5EF4-FFF2-40B4-BE49-F238E27FC236}">
+                <a16:creationId xmlns:a16="http://schemas.microsoft.com/office/drawing/2014/main" id="{34702B05-11F4-E742-B421-9827A40C461C}"/>
+              </a:ext>
+            </a:extLst>
+          </p:cNvPr>
+          <p:cNvPicPr>
+            <a:picLocks noChangeAspect="1" noChangeArrowheads="1"/>
+          </p:cNvPicPr>
+          <p:nvPr/>
+        </p:nvPicPr>
+        <p:blipFill>
+          <a:blip r:embed="rId5">
+            <a:extLst>
+              <a:ext uri="{28A0092B-C50C-407E-A947-70E740481C1C}">
+                <a14:useLocalDpi xmlns:a14="http://schemas.microsoft.com/office/drawing/2010/main" val="0"/>
+              </a:ext>
+            </a:extLst>
+          </a:blip>
+          <a:srcRect/>
+          <a:stretch>
+            <a:fillRect/>
+          </a:stretch>
+        </p:blipFill>
+        <p:spPr bwMode="auto">
+          <a:xfrm>
+            <a:off x="4185999" y="1132904"/>
+            <a:ext cx="278851" cy="278851"/>
+          </a:xfrm>
+          <a:prstGeom prst="rect">
+            <a:avLst/>
+          </a:prstGeom>
+          <a:noFill/>
+          <a:extLst>
+            <a:ext uri="{909E8E84-426E-40DD-AFC4-6F175D3DCCD1}">
+              <a14:hiddenFill xmlns:a14="http://schemas.microsoft.com/office/drawing/2010/main">
+                <a:solidFill>
+                  <a:srgbClr val="FFFFFF"/>
+                </a:solidFill>
+              </a14:hiddenFill>
+            </a:ext>
+          </a:extLst>
+        </p:spPr>
+      </p:pic>
+      <p:sp>
+        <p:nvSpPr>
+          <p:cNvPr id="16" name="모서리가 둥근 직사각형 18">
+            <a:extLst>
+              <a:ext uri="{FF2B5EF4-FFF2-40B4-BE49-F238E27FC236}">
+                <a16:creationId xmlns:a16="http://schemas.microsoft.com/office/drawing/2014/main" id="{EFDA4160-84E4-BF4A-8400-36AD097EBA3C}"/>
+              </a:ext>
+            </a:extLst>
+          </p:cNvPr>
+          <p:cNvSpPr/>
+          <p:nvPr/>
+        </p:nvSpPr>
+        <p:spPr>
+          <a:xfrm>
+            <a:off x="5292080" y="1059582"/>
+            <a:ext cx="806272" cy="638769"/>
+          </a:xfrm>
+          <a:prstGeom prst="roundRect">
+            <a:avLst>
+              <a:gd name="adj" fmla="val 11578"/>
+            </a:avLst>
+          </a:prstGeom>
+          <a:noFill/>
+          <a:ln w="12700"/>
+        </p:spPr>
+        <p:style>
+          <a:lnRef idx="2">
+            <a:schemeClr val="dk1"/>
+          </a:lnRef>
+          <a:fillRef idx="1">
+            <a:schemeClr val="lt1"/>
+          </a:fillRef>
+          <a:effectRef idx="0">
+            <a:schemeClr val="dk1"/>
+          </a:effectRef>
+          <a:fontRef idx="minor">
+            <a:schemeClr val="dk1"/>
+          </a:fontRef>
+        </p:style>
+        <p:txBody>
+          <a:bodyPr rtlCol="0" anchor="b"/>
+          <a:lstStyle/>
+          <a:p>
+            <a:pPr algn="ctr"/>
+            <a:r>
+              <a:rPr lang="en-US" altLang="ko-KR" sz="600"/>
+              <a:t>MinIO</a:t>
+            </a:r>
+          </a:p>
+          <a:p>
+            <a:pPr algn="ctr"/>
+            <a:r>
+              <a:rPr lang="en-US" altLang="ko-KR" sz="600"/>
+              <a:t>(StatefulSet/PVC)</a:t>
+            </a:r>
+          </a:p>
+        </p:txBody>
+      </p:sp>
+      <p:pic>
+        <p:nvPicPr>
+          <p:cNvPr id="17" name="Graphic 16">
+            <a:extLst>
+              <a:ext uri="{FF2B5EF4-FFF2-40B4-BE49-F238E27FC236}">
+                <a16:creationId xmlns:a16="http://schemas.microsoft.com/office/drawing/2014/main" id="{04009843-9F70-A544-AAC4-8C41C40BD543}"/>
+              </a:ext>
+            </a:extLst>
+          </p:cNvPr>
+          <p:cNvPicPr>
+            <a:picLocks noChangeAspect="1"/>
+          </p:cNvPicPr>
+          <p:nvPr/>
+        </p:nvPicPr>
+        <p:blipFill>
+          <a:blip r:embed="rId6">
+            <a:extLst>
+              <a:ext uri="{28A0092B-C50C-407E-A947-70E740481C1C}">
+                <a14:useLocalDpi xmlns:a14="http://schemas.microsoft.com/office/drawing/2010/main" val="0"/>
+              </a:ext>
+              <a:ext uri="{96DAC541-7B7A-43D3-8B79-37D633B846F1}">
+                <asvg:svgBlip xmlns:asvg="http://schemas.microsoft.com/office/drawing/2016/SVG/main" r:embed="rId7"/>
+              </a:ext>
+            </a:extLst>
+          </a:blip>
+          <a:stretch>
+            <a:fillRect/>
+          </a:stretch>
+        </p:blipFill>
+        <p:spPr>
+          <a:xfrm>
+            <a:off x="5607182" y="1078764"/>
+            <a:ext cx="163860" cy="331076"/>
+          </a:xfrm>
+          <a:prstGeom prst="rect">
+            <a:avLst/>
+          </a:prstGeom>
+        </p:spPr>
+      </p:pic>
+      <p:pic>
+        <p:nvPicPr>
+          <p:cNvPr id="1026" name="Picture 2" descr="DBeaver - 위키백과, 우리 모두의 백과사전">
+            <a:extLst>
+              <a:ext uri="{FF2B5EF4-FFF2-40B4-BE49-F238E27FC236}">
+                <a16:creationId xmlns:a16="http://schemas.microsoft.com/office/drawing/2014/main" id="{B05CCE8D-B91D-9541-BF24-126C30637ED2}"/>
+              </a:ext>
+            </a:extLst>
+          </p:cNvPr>
+          <p:cNvPicPr>
+            <a:picLocks noChangeAspect="1" noChangeArrowheads="1"/>
+          </p:cNvPicPr>
+          <p:nvPr/>
+        </p:nvPicPr>
+        <p:blipFill>
+          <a:blip r:embed="rId8">
+            <a:extLst>
+              <a:ext uri="{28A0092B-C50C-407E-A947-70E740481C1C}">
+                <a14:useLocalDpi xmlns:a14="http://schemas.microsoft.com/office/drawing/2010/main" val="0"/>
+              </a:ext>
+            </a:extLst>
+          </a:blip>
+          <a:srcRect/>
+          <a:stretch>
+            <a:fillRect/>
+          </a:stretch>
+        </p:blipFill>
+        <p:spPr bwMode="auto">
+          <a:xfrm>
+            <a:off x="2657830" y="2211710"/>
+            <a:ext cx="596971" cy="596971"/>
+          </a:xfrm>
+          <a:prstGeom prst="rect">
+            <a:avLst/>
+          </a:prstGeom>
+          <a:noFill/>
+          <a:extLst>
+            <a:ext uri="{909E8E84-426E-40DD-AFC4-6F175D3DCCD1}">
+              <a14:hiddenFill xmlns:a14="http://schemas.microsoft.com/office/drawing/2010/main">
+                <a:solidFill>
+                  <a:srgbClr val="FFFFFF"/>
+                </a:solidFill>
+              </a14:hiddenFill>
+            </a:ext>
+          </a:extLst>
+        </p:spPr>
+      </p:pic>
+    </p:spTree>
+    <p:extLst>
+      <p:ext uri="{BB962C8B-B14F-4D97-AF65-F5344CB8AC3E}">
+        <p14:creationId xmlns:p14="http://schemas.microsoft.com/office/powerpoint/2010/main" val="224921638"/>
+      </p:ext>
+    </p:extLst>
+  </p:cSld>
+  <p:clrMapOvr>
+    <a:masterClrMapping/>
+  </p:clrMapOvr>
+</p:sld>
+</file>
+
+<file path=ppt/slides/slide5.xml><?xml version="1.0" encoding="utf-8"?>
+<p:sld xmlns:a="http://schemas.openxmlformats.org/drawingml/2006/main" xmlns:r="http://schemas.openxmlformats.org/officeDocument/2006/relationships" xmlns:p="http://schemas.openxmlformats.org/presentationml/2006/main">
+  <p:cSld>
+    <p:spTree>
+      <p:nvGrpSpPr>
+        <p:cNvPr id="1" name=""/>
+        <p:cNvGrpSpPr/>
+        <p:nvPr/>
+      </p:nvGrpSpPr>
+      <p:grpSpPr>
+        <a:xfrm>
+          <a:off x="0" y="0"/>
+          <a:ext cx="0" cy="0"/>
+          <a:chOff x="0" y="0"/>
+          <a:chExt cx="0" cy="0"/>
+        </a:xfrm>
+      </p:grpSpPr>
       <p:sp>
         <p:nvSpPr>
           <p:cNvPr id="36" name="모서리가 둥근 직사각형 13">
@@ -6263,7 +7683,7 @@
 </p:sld>
 </file>
 
-<file path=ppt/slides/slide5.xml><?xml version="1.0" encoding="utf-8"?>
+<file path=ppt/slides/slide6.xml><?xml version="1.0" encoding="utf-8"?>
 <p:sld xmlns:a="http://schemas.openxmlformats.org/drawingml/2006/main" xmlns:r="http://schemas.openxmlformats.org/officeDocument/2006/relationships" xmlns:p="http://schemas.openxmlformats.org/presentationml/2006/main">
   <p:cSld>
     <p:spTree>
